--- a/ppt 16-9/0299.爱使我们相聚.pptx
+++ b/ppt 16-9/0299.爱使我们相聚.pptx
@@ -129,7 +129,7 @@
           <p:cNvPr id="2" name="标题 1">
             <a:extLst>
               <a:ext uri="{FF2B5EF4-FFF2-40B4-BE49-F238E27FC236}">
-                <a16:creationId xmlns:a16="http://schemas.microsoft.com/office/drawing/2014/main" id="{DE6C3F1F-40A0-4196-D80E-19A681E8F87B}"/>
+                <a16:creationId xmlns:a16="http://schemas.microsoft.com/office/drawing/2014/main" id="{B8C2B72F-26AB-CF68-7D6F-475F536A2103}"/>
               </a:ext>
             </a:extLst>
           </p:cNvPr>
@@ -166,7 +166,7 @@
           <p:cNvPr id="3" name="副标题 2">
             <a:extLst>
               <a:ext uri="{FF2B5EF4-FFF2-40B4-BE49-F238E27FC236}">
-                <a16:creationId xmlns:a16="http://schemas.microsoft.com/office/drawing/2014/main" id="{9B77CFE1-0EE5-917A-4207-5F0F1D71F080}"/>
+                <a16:creationId xmlns:a16="http://schemas.microsoft.com/office/drawing/2014/main" id="{84D0C9B7-2146-4FFB-B78B-2B85E289C4C1}"/>
               </a:ext>
             </a:extLst>
           </p:cNvPr>
@@ -236,7 +236,7 @@
           <p:cNvPr id="4" name="日期占位符 3">
             <a:extLst>
               <a:ext uri="{FF2B5EF4-FFF2-40B4-BE49-F238E27FC236}">
-                <a16:creationId xmlns:a16="http://schemas.microsoft.com/office/drawing/2014/main" id="{34E31552-D771-774A-AADC-2564B97177B2}"/>
+                <a16:creationId xmlns:a16="http://schemas.microsoft.com/office/drawing/2014/main" id="{577D9A32-AA6C-FD26-0138-2282BAFDB61E}"/>
               </a:ext>
             </a:extLst>
           </p:cNvPr>
@@ -252,7 +252,7 @@
           <a:bodyPr/>
           <a:lstStyle/>
           <a:p>
-            <a:fld id="{3C208A7B-D553-4F54-9105-73B508CE988C}" type="datetimeFigureOut">
+            <a:fld id="{710899D5-1D19-416B-911F-05C95A92A9C6}" type="datetimeFigureOut">
               <a:rPr lang="zh-CN" altLang="en-US" smtClean="0"/>
               <a:t>2024/3/10</a:t>
             </a:fld>
@@ -265,7 +265,7 @@
           <p:cNvPr id="5" name="页脚占位符 4">
             <a:extLst>
               <a:ext uri="{FF2B5EF4-FFF2-40B4-BE49-F238E27FC236}">
-                <a16:creationId xmlns:a16="http://schemas.microsoft.com/office/drawing/2014/main" id="{C197B97B-0B3B-A289-A5BC-FBE30FE96D3F}"/>
+                <a16:creationId xmlns:a16="http://schemas.microsoft.com/office/drawing/2014/main" id="{0A4EDB83-BEE4-F863-DDBD-E5BEA915F6DA}"/>
               </a:ext>
             </a:extLst>
           </p:cNvPr>
@@ -290,7 +290,7 @@
           <p:cNvPr id="6" name="灯片编号占位符 5">
             <a:extLst>
               <a:ext uri="{FF2B5EF4-FFF2-40B4-BE49-F238E27FC236}">
-                <a16:creationId xmlns:a16="http://schemas.microsoft.com/office/drawing/2014/main" id="{726B1720-4ECE-2E5C-5B87-73C507BC7B59}"/>
+                <a16:creationId xmlns:a16="http://schemas.microsoft.com/office/drawing/2014/main" id="{3082C660-3FA4-E858-C746-F2FA5889EDD8}"/>
               </a:ext>
             </a:extLst>
           </p:cNvPr>
@@ -306,7 +306,7 @@
           <a:bodyPr/>
           <a:lstStyle/>
           <a:p>
-            <a:fld id="{2AEE486F-4C0F-4FC6-84AC-3CBDFB7552D4}" type="slidenum">
+            <a:fld id="{9069D31D-F86D-4792-956B-1A7CFF0E1DFB}" type="slidenum">
               <a:rPr lang="zh-CN" altLang="en-US" smtClean="0"/>
               <a:t>‹#›</a:t>
             </a:fld>
@@ -317,7 +317,7 @@
     </p:spTree>
     <p:extLst>
       <p:ext uri="{BB962C8B-B14F-4D97-AF65-F5344CB8AC3E}">
-        <p14:creationId xmlns:p14="http://schemas.microsoft.com/office/powerpoint/2010/main" val="326644316"/>
+        <p14:creationId xmlns:p14="http://schemas.microsoft.com/office/powerpoint/2010/main" val="3449847215"/>
       </p:ext>
     </p:extLst>
   </p:cSld>
@@ -349,7 +349,7 @@
           <p:cNvPr id="2" name="标题 1">
             <a:extLst>
               <a:ext uri="{FF2B5EF4-FFF2-40B4-BE49-F238E27FC236}">
-                <a16:creationId xmlns:a16="http://schemas.microsoft.com/office/drawing/2014/main" id="{7E7AB9C7-BBA1-614C-4024-DC903352B7C4}"/>
+                <a16:creationId xmlns:a16="http://schemas.microsoft.com/office/drawing/2014/main" id="{B6C33A3A-B37C-F1D3-8F89-3C40E4D56F1B}"/>
               </a:ext>
             </a:extLst>
           </p:cNvPr>
@@ -377,7 +377,7 @@
           <p:cNvPr id="3" name="竖排文字占位符 2">
             <a:extLst>
               <a:ext uri="{FF2B5EF4-FFF2-40B4-BE49-F238E27FC236}">
-                <a16:creationId xmlns:a16="http://schemas.microsoft.com/office/drawing/2014/main" id="{1DE01E29-02F5-0C82-89ED-7EB16E222B07}"/>
+                <a16:creationId xmlns:a16="http://schemas.microsoft.com/office/drawing/2014/main" id="{79017890-0D07-EC5C-E5C1-2B8E6DB3AFE1}"/>
               </a:ext>
             </a:extLst>
           </p:cNvPr>
@@ -434,7 +434,7 @@
           <p:cNvPr id="4" name="日期占位符 3">
             <a:extLst>
               <a:ext uri="{FF2B5EF4-FFF2-40B4-BE49-F238E27FC236}">
-                <a16:creationId xmlns:a16="http://schemas.microsoft.com/office/drawing/2014/main" id="{432B7D8F-6905-D1D8-228C-F21544730F8F}"/>
+                <a16:creationId xmlns:a16="http://schemas.microsoft.com/office/drawing/2014/main" id="{7595960A-61EF-C827-B056-8F3668D8A9B9}"/>
               </a:ext>
             </a:extLst>
           </p:cNvPr>
@@ -450,7 +450,7 @@
           <a:bodyPr/>
           <a:lstStyle/>
           <a:p>
-            <a:fld id="{3C208A7B-D553-4F54-9105-73B508CE988C}" type="datetimeFigureOut">
+            <a:fld id="{710899D5-1D19-416B-911F-05C95A92A9C6}" type="datetimeFigureOut">
               <a:rPr lang="zh-CN" altLang="en-US" smtClean="0"/>
               <a:t>2024/3/10</a:t>
             </a:fld>
@@ -463,7 +463,7 @@
           <p:cNvPr id="5" name="页脚占位符 4">
             <a:extLst>
               <a:ext uri="{FF2B5EF4-FFF2-40B4-BE49-F238E27FC236}">
-                <a16:creationId xmlns:a16="http://schemas.microsoft.com/office/drawing/2014/main" id="{A7FF8FB0-4538-4D83-3ADB-97D8E8F70CCD}"/>
+                <a16:creationId xmlns:a16="http://schemas.microsoft.com/office/drawing/2014/main" id="{7F9DD020-AD4A-3A4A-F223-FE219EBD9802}"/>
               </a:ext>
             </a:extLst>
           </p:cNvPr>
@@ -488,7 +488,7 @@
           <p:cNvPr id="6" name="灯片编号占位符 5">
             <a:extLst>
               <a:ext uri="{FF2B5EF4-FFF2-40B4-BE49-F238E27FC236}">
-                <a16:creationId xmlns:a16="http://schemas.microsoft.com/office/drawing/2014/main" id="{B5870248-E3AA-7C7A-BC5D-37165E5268D5}"/>
+                <a16:creationId xmlns:a16="http://schemas.microsoft.com/office/drawing/2014/main" id="{1B71D5DE-2363-323C-FACB-333551B99B5B}"/>
               </a:ext>
             </a:extLst>
           </p:cNvPr>
@@ -504,7 +504,7 @@
           <a:bodyPr/>
           <a:lstStyle/>
           <a:p>
-            <a:fld id="{2AEE486F-4C0F-4FC6-84AC-3CBDFB7552D4}" type="slidenum">
+            <a:fld id="{9069D31D-F86D-4792-956B-1A7CFF0E1DFB}" type="slidenum">
               <a:rPr lang="zh-CN" altLang="en-US" smtClean="0"/>
               <a:t>‹#›</a:t>
             </a:fld>
@@ -515,7 +515,7 @@
     </p:spTree>
     <p:extLst>
       <p:ext uri="{BB962C8B-B14F-4D97-AF65-F5344CB8AC3E}">
-        <p14:creationId xmlns:p14="http://schemas.microsoft.com/office/powerpoint/2010/main" val="2536689043"/>
+        <p14:creationId xmlns:p14="http://schemas.microsoft.com/office/powerpoint/2010/main" val="1555606294"/>
       </p:ext>
     </p:extLst>
   </p:cSld>
@@ -547,7 +547,7 @@
           <p:cNvPr id="2" name="竖排标题 1">
             <a:extLst>
               <a:ext uri="{FF2B5EF4-FFF2-40B4-BE49-F238E27FC236}">
-                <a16:creationId xmlns:a16="http://schemas.microsoft.com/office/drawing/2014/main" id="{1AB336B0-9CCE-C78D-5A0A-0FC7C23116D3}"/>
+                <a16:creationId xmlns:a16="http://schemas.microsoft.com/office/drawing/2014/main" id="{41E30E2D-73E4-E83A-3D11-CC270C360B8B}"/>
               </a:ext>
             </a:extLst>
           </p:cNvPr>
@@ -580,7 +580,7 @@
           <p:cNvPr id="3" name="竖排文字占位符 2">
             <a:extLst>
               <a:ext uri="{FF2B5EF4-FFF2-40B4-BE49-F238E27FC236}">
-                <a16:creationId xmlns:a16="http://schemas.microsoft.com/office/drawing/2014/main" id="{7DE1CB17-4A25-4C91-DCB3-103FB8109356}"/>
+                <a16:creationId xmlns:a16="http://schemas.microsoft.com/office/drawing/2014/main" id="{0857A831-E4C8-199A-23E8-1BBCA79D7360}"/>
               </a:ext>
             </a:extLst>
           </p:cNvPr>
@@ -642,7 +642,7 @@
           <p:cNvPr id="4" name="日期占位符 3">
             <a:extLst>
               <a:ext uri="{FF2B5EF4-FFF2-40B4-BE49-F238E27FC236}">
-                <a16:creationId xmlns:a16="http://schemas.microsoft.com/office/drawing/2014/main" id="{4E36F103-2A7D-3F67-D6E0-AC19DD1B7E55}"/>
+                <a16:creationId xmlns:a16="http://schemas.microsoft.com/office/drawing/2014/main" id="{EB637595-1E85-DA4F-BC9B-95520BDB7418}"/>
               </a:ext>
             </a:extLst>
           </p:cNvPr>
@@ -658,7 +658,7 @@
           <a:bodyPr/>
           <a:lstStyle/>
           <a:p>
-            <a:fld id="{3C208A7B-D553-4F54-9105-73B508CE988C}" type="datetimeFigureOut">
+            <a:fld id="{710899D5-1D19-416B-911F-05C95A92A9C6}" type="datetimeFigureOut">
               <a:rPr lang="zh-CN" altLang="en-US" smtClean="0"/>
               <a:t>2024/3/10</a:t>
             </a:fld>
@@ -671,7 +671,7 @@
           <p:cNvPr id="5" name="页脚占位符 4">
             <a:extLst>
               <a:ext uri="{FF2B5EF4-FFF2-40B4-BE49-F238E27FC236}">
-                <a16:creationId xmlns:a16="http://schemas.microsoft.com/office/drawing/2014/main" id="{49822A89-BB4E-09CE-30EE-0BF2D30AF255}"/>
+                <a16:creationId xmlns:a16="http://schemas.microsoft.com/office/drawing/2014/main" id="{CB4A7708-2305-7176-77CE-6CAAD3E49961}"/>
               </a:ext>
             </a:extLst>
           </p:cNvPr>
@@ -696,7 +696,7 @@
           <p:cNvPr id="6" name="灯片编号占位符 5">
             <a:extLst>
               <a:ext uri="{FF2B5EF4-FFF2-40B4-BE49-F238E27FC236}">
-                <a16:creationId xmlns:a16="http://schemas.microsoft.com/office/drawing/2014/main" id="{852BBF6A-213B-0E87-02C2-BBE30A322313}"/>
+                <a16:creationId xmlns:a16="http://schemas.microsoft.com/office/drawing/2014/main" id="{6C2A0820-1FE7-63AF-82EF-862F870FA2A7}"/>
               </a:ext>
             </a:extLst>
           </p:cNvPr>
@@ -712,7 +712,7 @@
           <a:bodyPr/>
           <a:lstStyle/>
           <a:p>
-            <a:fld id="{2AEE486F-4C0F-4FC6-84AC-3CBDFB7552D4}" type="slidenum">
+            <a:fld id="{9069D31D-F86D-4792-956B-1A7CFF0E1DFB}" type="slidenum">
               <a:rPr lang="zh-CN" altLang="en-US" smtClean="0"/>
               <a:t>‹#›</a:t>
             </a:fld>
@@ -723,7 +723,7 @@
     </p:spTree>
     <p:extLst>
       <p:ext uri="{BB962C8B-B14F-4D97-AF65-F5344CB8AC3E}">
-        <p14:creationId xmlns:p14="http://schemas.microsoft.com/office/powerpoint/2010/main" val="200089098"/>
+        <p14:creationId xmlns:p14="http://schemas.microsoft.com/office/powerpoint/2010/main" val="1553510683"/>
       </p:ext>
     </p:extLst>
   </p:cSld>
@@ -755,7 +755,7 @@
           <p:cNvPr id="2" name="标题 1">
             <a:extLst>
               <a:ext uri="{FF2B5EF4-FFF2-40B4-BE49-F238E27FC236}">
-                <a16:creationId xmlns:a16="http://schemas.microsoft.com/office/drawing/2014/main" id="{99AA690F-C92C-B421-D4A6-C8C3AFE8AC31}"/>
+                <a16:creationId xmlns:a16="http://schemas.microsoft.com/office/drawing/2014/main" id="{D518A877-BA88-8B2B-EBE3-6CE5520A5BB2}"/>
               </a:ext>
             </a:extLst>
           </p:cNvPr>
@@ -783,7 +783,7 @@
           <p:cNvPr id="3" name="内容占位符 2">
             <a:extLst>
               <a:ext uri="{FF2B5EF4-FFF2-40B4-BE49-F238E27FC236}">
-                <a16:creationId xmlns:a16="http://schemas.microsoft.com/office/drawing/2014/main" id="{661AB4CB-8A25-967B-8D0D-631999AA5EF9}"/>
+                <a16:creationId xmlns:a16="http://schemas.microsoft.com/office/drawing/2014/main" id="{8426AAD1-9BFD-5505-C8D9-B9797DD89676}"/>
               </a:ext>
             </a:extLst>
           </p:cNvPr>
@@ -840,7 +840,7 @@
           <p:cNvPr id="4" name="日期占位符 3">
             <a:extLst>
               <a:ext uri="{FF2B5EF4-FFF2-40B4-BE49-F238E27FC236}">
-                <a16:creationId xmlns:a16="http://schemas.microsoft.com/office/drawing/2014/main" id="{984243DC-B3FC-AE19-7376-608F41030810}"/>
+                <a16:creationId xmlns:a16="http://schemas.microsoft.com/office/drawing/2014/main" id="{C5CAB78B-E1B2-37E3-2E8F-CA626EF69A8A}"/>
               </a:ext>
             </a:extLst>
           </p:cNvPr>
@@ -856,7 +856,7 @@
           <a:bodyPr/>
           <a:lstStyle/>
           <a:p>
-            <a:fld id="{3C208A7B-D553-4F54-9105-73B508CE988C}" type="datetimeFigureOut">
+            <a:fld id="{710899D5-1D19-416B-911F-05C95A92A9C6}" type="datetimeFigureOut">
               <a:rPr lang="zh-CN" altLang="en-US" smtClean="0"/>
               <a:t>2024/3/10</a:t>
             </a:fld>
@@ -869,7 +869,7 @@
           <p:cNvPr id="5" name="页脚占位符 4">
             <a:extLst>
               <a:ext uri="{FF2B5EF4-FFF2-40B4-BE49-F238E27FC236}">
-                <a16:creationId xmlns:a16="http://schemas.microsoft.com/office/drawing/2014/main" id="{FF3A1222-344D-B2F0-CAA6-C6B5C431F386}"/>
+                <a16:creationId xmlns:a16="http://schemas.microsoft.com/office/drawing/2014/main" id="{F4E69F62-31EB-100D-331C-F22B5AB75C5B}"/>
               </a:ext>
             </a:extLst>
           </p:cNvPr>
@@ -894,7 +894,7 @@
           <p:cNvPr id="6" name="灯片编号占位符 5">
             <a:extLst>
               <a:ext uri="{FF2B5EF4-FFF2-40B4-BE49-F238E27FC236}">
-                <a16:creationId xmlns:a16="http://schemas.microsoft.com/office/drawing/2014/main" id="{2CA059DA-CA73-8CD2-F64F-7AEFE6E0F813}"/>
+                <a16:creationId xmlns:a16="http://schemas.microsoft.com/office/drawing/2014/main" id="{FB378BA4-8EEA-3F69-56EF-65056F6AD542}"/>
               </a:ext>
             </a:extLst>
           </p:cNvPr>
@@ -910,7 +910,7 @@
           <a:bodyPr/>
           <a:lstStyle/>
           <a:p>
-            <a:fld id="{2AEE486F-4C0F-4FC6-84AC-3CBDFB7552D4}" type="slidenum">
+            <a:fld id="{9069D31D-F86D-4792-956B-1A7CFF0E1DFB}" type="slidenum">
               <a:rPr lang="zh-CN" altLang="en-US" smtClean="0"/>
               <a:t>‹#›</a:t>
             </a:fld>
@@ -921,7 +921,7 @@
     </p:spTree>
     <p:extLst>
       <p:ext uri="{BB962C8B-B14F-4D97-AF65-F5344CB8AC3E}">
-        <p14:creationId xmlns:p14="http://schemas.microsoft.com/office/powerpoint/2010/main" val="863604508"/>
+        <p14:creationId xmlns:p14="http://schemas.microsoft.com/office/powerpoint/2010/main" val="4238549970"/>
       </p:ext>
     </p:extLst>
   </p:cSld>
@@ -953,7 +953,7 @@
           <p:cNvPr id="2" name="标题 1">
             <a:extLst>
               <a:ext uri="{FF2B5EF4-FFF2-40B4-BE49-F238E27FC236}">
-                <a16:creationId xmlns:a16="http://schemas.microsoft.com/office/drawing/2014/main" id="{72404184-6003-ED0C-2ECB-5C9FFEBF6090}"/>
+                <a16:creationId xmlns:a16="http://schemas.microsoft.com/office/drawing/2014/main" id="{AA3266D9-16E8-987C-F858-B08E386D91CE}"/>
               </a:ext>
             </a:extLst>
           </p:cNvPr>
@@ -990,7 +990,7 @@
           <p:cNvPr id="3" name="文本占位符 2">
             <a:extLst>
               <a:ext uri="{FF2B5EF4-FFF2-40B4-BE49-F238E27FC236}">
-                <a16:creationId xmlns:a16="http://schemas.microsoft.com/office/drawing/2014/main" id="{64886F3D-E33F-143D-5D13-D261C51CA7A6}"/>
+                <a16:creationId xmlns:a16="http://schemas.microsoft.com/office/drawing/2014/main" id="{2434AD16-FB27-A75E-F6E0-DAD43B0A618E}"/>
               </a:ext>
             </a:extLst>
           </p:cNvPr>
@@ -1115,7 +1115,7 @@
           <p:cNvPr id="4" name="日期占位符 3">
             <a:extLst>
               <a:ext uri="{FF2B5EF4-FFF2-40B4-BE49-F238E27FC236}">
-                <a16:creationId xmlns:a16="http://schemas.microsoft.com/office/drawing/2014/main" id="{0AD4E9EB-0407-D31F-40A4-24573FF4EA9F}"/>
+                <a16:creationId xmlns:a16="http://schemas.microsoft.com/office/drawing/2014/main" id="{D468CF50-6C62-69D7-9A91-F713D9FB7AFB}"/>
               </a:ext>
             </a:extLst>
           </p:cNvPr>
@@ -1131,7 +1131,7 @@
           <a:bodyPr/>
           <a:lstStyle/>
           <a:p>
-            <a:fld id="{3C208A7B-D553-4F54-9105-73B508CE988C}" type="datetimeFigureOut">
+            <a:fld id="{710899D5-1D19-416B-911F-05C95A92A9C6}" type="datetimeFigureOut">
               <a:rPr lang="zh-CN" altLang="en-US" smtClean="0"/>
               <a:t>2024/3/10</a:t>
             </a:fld>
@@ -1144,7 +1144,7 @@
           <p:cNvPr id="5" name="页脚占位符 4">
             <a:extLst>
               <a:ext uri="{FF2B5EF4-FFF2-40B4-BE49-F238E27FC236}">
-                <a16:creationId xmlns:a16="http://schemas.microsoft.com/office/drawing/2014/main" id="{B80ED296-DCBD-9519-984E-99E5114B5E39}"/>
+                <a16:creationId xmlns:a16="http://schemas.microsoft.com/office/drawing/2014/main" id="{8D42858D-20C3-7D78-2EF4-4566FAE1458B}"/>
               </a:ext>
             </a:extLst>
           </p:cNvPr>
@@ -1169,7 +1169,7 @@
           <p:cNvPr id="6" name="灯片编号占位符 5">
             <a:extLst>
               <a:ext uri="{FF2B5EF4-FFF2-40B4-BE49-F238E27FC236}">
-                <a16:creationId xmlns:a16="http://schemas.microsoft.com/office/drawing/2014/main" id="{E10550EF-39A2-3EDE-933E-547B6897ACCB}"/>
+                <a16:creationId xmlns:a16="http://schemas.microsoft.com/office/drawing/2014/main" id="{8F1D3EF1-B82A-EA4F-DEA9-9A9721719243}"/>
               </a:ext>
             </a:extLst>
           </p:cNvPr>
@@ -1185,7 +1185,7 @@
           <a:bodyPr/>
           <a:lstStyle/>
           <a:p>
-            <a:fld id="{2AEE486F-4C0F-4FC6-84AC-3CBDFB7552D4}" type="slidenum">
+            <a:fld id="{9069D31D-F86D-4792-956B-1A7CFF0E1DFB}" type="slidenum">
               <a:rPr lang="zh-CN" altLang="en-US" smtClean="0"/>
               <a:t>‹#›</a:t>
             </a:fld>
@@ -1196,7 +1196,7 @@
     </p:spTree>
     <p:extLst>
       <p:ext uri="{BB962C8B-B14F-4D97-AF65-F5344CB8AC3E}">
-        <p14:creationId xmlns:p14="http://schemas.microsoft.com/office/powerpoint/2010/main" val="559908807"/>
+        <p14:creationId xmlns:p14="http://schemas.microsoft.com/office/powerpoint/2010/main" val="3580651472"/>
       </p:ext>
     </p:extLst>
   </p:cSld>
@@ -1228,7 +1228,7 @@
           <p:cNvPr id="2" name="标题 1">
             <a:extLst>
               <a:ext uri="{FF2B5EF4-FFF2-40B4-BE49-F238E27FC236}">
-                <a16:creationId xmlns:a16="http://schemas.microsoft.com/office/drawing/2014/main" id="{195FAD37-19F5-F9A0-4B35-401AB9B93309}"/>
+                <a16:creationId xmlns:a16="http://schemas.microsoft.com/office/drawing/2014/main" id="{7B1A0217-A23C-479B-A662-FE8DDBAA465D}"/>
               </a:ext>
             </a:extLst>
           </p:cNvPr>
@@ -1256,7 +1256,7 @@
           <p:cNvPr id="3" name="内容占位符 2">
             <a:extLst>
               <a:ext uri="{FF2B5EF4-FFF2-40B4-BE49-F238E27FC236}">
-                <a16:creationId xmlns:a16="http://schemas.microsoft.com/office/drawing/2014/main" id="{A2FF65FB-25E0-F03E-4A0A-4A6C4707B98B}"/>
+                <a16:creationId xmlns:a16="http://schemas.microsoft.com/office/drawing/2014/main" id="{05B05032-EE3A-AAFA-159B-2745D5E6C70A}"/>
               </a:ext>
             </a:extLst>
           </p:cNvPr>
@@ -1318,7 +1318,7 @@
           <p:cNvPr id="4" name="内容占位符 3">
             <a:extLst>
               <a:ext uri="{FF2B5EF4-FFF2-40B4-BE49-F238E27FC236}">
-                <a16:creationId xmlns:a16="http://schemas.microsoft.com/office/drawing/2014/main" id="{FB48AB42-B46B-FC2A-047F-D40C79C1305D}"/>
+                <a16:creationId xmlns:a16="http://schemas.microsoft.com/office/drawing/2014/main" id="{2DCA52AB-BF56-3269-7997-7BE594606120}"/>
               </a:ext>
             </a:extLst>
           </p:cNvPr>
@@ -1380,7 +1380,7 @@
           <p:cNvPr id="5" name="日期占位符 4">
             <a:extLst>
               <a:ext uri="{FF2B5EF4-FFF2-40B4-BE49-F238E27FC236}">
-                <a16:creationId xmlns:a16="http://schemas.microsoft.com/office/drawing/2014/main" id="{69ED93B4-0FF5-C385-A604-24AA5A8ACCC9}"/>
+                <a16:creationId xmlns:a16="http://schemas.microsoft.com/office/drawing/2014/main" id="{73D36D0E-91F9-FFCC-5640-18D59425DB03}"/>
               </a:ext>
             </a:extLst>
           </p:cNvPr>
@@ -1396,7 +1396,7 @@
           <a:bodyPr/>
           <a:lstStyle/>
           <a:p>
-            <a:fld id="{3C208A7B-D553-4F54-9105-73B508CE988C}" type="datetimeFigureOut">
+            <a:fld id="{710899D5-1D19-416B-911F-05C95A92A9C6}" type="datetimeFigureOut">
               <a:rPr lang="zh-CN" altLang="en-US" smtClean="0"/>
               <a:t>2024/3/10</a:t>
             </a:fld>
@@ -1409,7 +1409,7 @@
           <p:cNvPr id="6" name="页脚占位符 5">
             <a:extLst>
               <a:ext uri="{FF2B5EF4-FFF2-40B4-BE49-F238E27FC236}">
-                <a16:creationId xmlns:a16="http://schemas.microsoft.com/office/drawing/2014/main" id="{59FF26F0-1025-EF5D-57C9-F763E684898E}"/>
+                <a16:creationId xmlns:a16="http://schemas.microsoft.com/office/drawing/2014/main" id="{8BDB5F58-734B-07E8-269C-0F210D5C7739}"/>
               </a:ext>
             </a:extLst>
           </p:cNvPr>
@@ -1434,7 +1434,7 @@
           <p:cNvPr id="7" name="灯片编号占位符 6">
             <a:extLst>
               <a:ext uri="{FF2B5EF4-FFF2-40B4-BE49-F238E27FC236}">
-                <a16:creationId xmlns:a16="http://schemas.microsoft.com/office/drawing/2014/main" id="{90DD3B15-8DB8-4CFE-37B6-9EFC8DF94D74}"/>
+                <a16:creationId xmlns:a16="http://schemas.microsoft.com/office/drawing/2014/main" id="{552F362A-01CA-7E17-102C-2795055310AC}"/>
               </a:ext>
             </a:extLst>
           </p:cNvPr>
@@ -1450,7 +1450,7 @@
           <a:bodyPr/>
           <a:lstStyle/>
           <a:p>
-            <a:fld id="{2AEE486F-4C0F-4FC6-84AC-3CBDFB7552D4}" type="slidenum">
+            <a:fld id="{9069D31D-F86D-4792-956B-1A7CFF0E1DFB}" type="slidenum">
               <a:rPr lang="zh-CN" altLang="en-US" smtClean="0"/>
               <a:t>‹#›</a:t>
             </a:fld>
@@ -1461,7 +1461,7 @@
     </p:spTree>
     <p:extLst>
       <p:ext uri="{BB962C8B-B14F-4D97-AF65-F5344CB8AC3E}">
-        <p14:creationId xmlns:p14="http://schemas.microsoft.com/office/powerpoint/2010/main" val="3988864394"/>
+        <p14:creationId xmlns:p14="http://schemas.microsoft.com/office/powerpoint/2010/main" val="1867243007"/>
       </p:ext>
     </p:extLst>
   </p:cSld>
@@ -1493,7 +1493,7 @@
           <p:cNvPr id="2" name="标题 1">
             <a:extLst>
               <a:ext uri="{FF2B5EF4-FFF2-40B4-BE49-F238E27FC236}">
-                <a16:creationId xmlns:a16="http://schemas.microsoft.com/office/drawing/2014/main" id="{E8E998A2-05E3-3327-1222-FA11ED379E81}"/>
+                <a16:creationId xmlns:a16="http://schemas.microsoft.com/office/drawing/2014/main" id="{31F1AB3C-ED00-F6A2-A642-329AA9CDF61D}"/>
               </a:ext>
             </a:extLst>
           </p:cNvPr>
@@ -1526,7 +1526,7 @@
           <p:cNvPr id="3" name="文本占位符 2">
             <a:extLst>
               <a:ext uri="{FF2B5EF4-FFF2-40B4-BE49-F238E27FC236}">
-                <a16:creationId xmlns:a16="http://schemas.microsoft.com/office/drawing/2014/main" id="{704BB6CF-0B4C-0FD3-2785-762F34638A91}"/>
+                <a16:creationId xmlns:a16="http://schemas.microsoft.com/office/drawing/2014/main" id="{668EBA99-CEC4-4BF6-A144-0A9BA7A4263B}"/>
               </a:ext>
             </a:extLst>
           </p:cNvPr>
@@ -1597,7 +1597,7 @@
           <p:cNvPr id="4" name="内容占位符 3">
             <a:extLst>
               <a:ext uri="{FF2B5EF4-FFF2-40B4-BE49-F238E27FC236}">
-                <a16:creationId xmlns:a16="http://schemas.microsoft.com/office/drawing/2014/main" id="{B7A28F4C-0968-9066-B339-73BDD2CD0F3F}"/>
+                <a16:creationId xmlns:a16="http://schemas.microsoft.com/office/drawing/2014/main" id="{206A2FBE-544B-271B-9023-8FA5EC363AF5}"/>
               </a:ext>
             </a:extLst>
           </p:cNvPr>
@@ -1659,7 +1659,7 @@
           <p:cNvPr id="5" name="文本占位符 4">
             <a:extLst>
               <a:ext uri="{FF2B5EF4-FFF2-40B4-BE49-F238E27FC236}">
-                <a16:creationId xmlns:a16="http://schemas.microsoft.com/office/drawing/2014/main" id="{67E2CB58-F91B-E171-40AA-BACCE8B8C87C}"/>
+                <a16:creationId xmlns:a16="http://schemas.microsoft.com/office/drawing/2014/main" id="{2C2AE3C1-FAD9-B118-A59F-384056BCF839}"/>
               </a:ext>
             </a:extLst>
           </p:cNvPr>
@@ -1730,7 +1730,7 @@
           <p:cNvPr id="6" name="内容占位符 5">
             <a:extLst>
               <a:ext uri="{FF2B5EF4-FFF2-40B4-BE49-F238E27FC236}">
-                <a16:creationId xmlns:a16="http://schemas.microsoft.com/office/drawing/2014/main" id="{DD75AB71-95BA-E598-5309-5A5927ACFC3F}"/>
+                <a16:creationId xmlns:a16="http://schemas.microsoft.com/office/drawing/2014/main" id="{5C8B8993-F61D-C5D9-1770-0EF9DA9F8546}"/>
               </a:ext>
             </a:extLst>
           </p:cNvPr>
@@ -1792,7 +1792,7 @@
           <p:cNvPr id="7" name="日期占位符 6">
             <a:extLst>
               <a:ext uri="{FF2B5EF4-FFF2-40B4-BE49-F238E27FC236}">
-                <a16:creationId xmlns:a16="http://schemas.microsoft.com/office/drawing/2014/main" id="{D6C94C8B-2305-13AC-EF90-2890B47B1640}"/>
+                <a16:creationId xmlns:a16="http://schemas.microsoft.com/office/drawing/2014/main" id="{3A66512E-7DDF-1034-4EC5-6191D27C1E23}"/>
               </a:ext>
             </a:extLst>
           </p:cNvPr>
@@ -1808,7 +1808,7 @@
           <a:bodyPr/>
           <a:lstStyle/>
           <a:p>
-            <a:fld id="{3C208A7B-D553-4F54-9105-73B508CE988C}" type="datetimeFigureOut">
+            <a:fld id="{710899D5-1D19-416B-911F-05C95A92A9C6}" type="datetimeFigureOut">
               <a:rPr lang="zh-CN" altLang="en-US" smtClean="0"/>
               <a:t>2024/3/10</a:t>
             </a:fld>
@@ -1821,7 +1821,7 @@
           <p:cNvPr id="8" name="页脚占位符 7">
             <a:extLst>
               <a:ext uri="{FF2B5EF4-FFF2-40B4-BE49-F238E27FC236}">
-                <a16:creationId xmlns:a16="http://schemas.microsoft.com/office/drawing/2014/main" id="{2C82E235-2921-7AF1-192B-7549E55DD725}"/>
+                <a16:creationId xmlns:a16="http://schemas.microsoft.com/office/drawing/2014/main" id="{834DADEE-9C3F-2D59-BA03-669F3340E4EA}"/>
               </a:ext>
             </a:extLst>
           </p:cNvPr>
@@ -1846,7 +1846,7 @@
           <p:cNvPr id="9" name="灯片编号占位符 8">
             <a:extLst>
               <a:ext uri="{FF2B5EF4-FFF2-40B4-BE49-F238E27FC236}">
-                <a16:creationId xmlns:a16="http://schemas.microsoft.com/office/drawing/2014/main" id="{9A84F68F-C961-A7CE-6EAF-7D02873E73B2}"/>
+                <a16:creationId xmlns:a16="http://schemas.microsoft.com/office/drawing/2014/main" id="{5E318684-E26F-4B90-6508-7014F308D4FF}"/>
               </a:ext>
             </a:extLst>
           </p:cNvPr>
@@ -1862,7 +1862,7 @@
           <a:bodyPr/>
           <a:lstStyle/>
           <a:p>
-            <a:fld id="{2AEE486F-4C0F-4FC6-84AC-3CBDFB7552D4}" type="slidenum">
+            <a:fld id="{9069D31D-F86D-4792-956B-1A7CFF0E1DFB}" type="slidenum">
               <a:rPr lang="zh-CN" altLang="en-US" smtClean="0"/>
               <a:t>‹#›</a:t>
             </a:fld>
@@ -1873,7 +1873,7 @@
     </p:spTree>
     <p:extLst>
       <p:ext uri="{BB962C8B-B14F-4D97-AF65-F5344CB8AC3E}">
-        <p14:creationId xmlns:p14="http://schemas.microsoft.com/office/powerpoint/2010/main" val="1385239257"/>
+        <p14:creationId xmlns:p14="http://schemas.microsoft.com/office/powerpoint/2010/main" val="3058409388"/>
       </p:ext>
     </p:extLst>
   </p:cSld>
@@ -1905,7 +1905,7 @@
           <p:cNvPr id="2" name="标题 1">
             <a:extLst>
               <a:ext uri="{FF2B5EF4-FFF2-40B4-BE49-F238E27FC236}">
-                <a16:creationId xmlns:a16="http://schemas.microsoft.com/office/drawing/2014/main" id="{DFCB115F-C234-D74B-1FA6-7015D117BCC9}"/>
+                <a16:creationId xmlns:a16="http://schemas.microsoft.com/office/drawing/2014/main" id="{F8428974-6F95-5031-5876-B254CB6927DE}"/>
               </a:ext>
             </a:extLst>
           </p:cNvPr>
@@ -1933,7 +1933,7 @@
           <p:cNvPr id="3" name="日期占位符 2">
             <a:extLst>
               <a:ext uri="{FF2B5EF4-FFF2-40B4-BE49-F238E27FC236}">
-                <a16:creationId xmlns:a16="http://schemas.microsoft.com/office/drawing/2014/main" id="{5B7FD811-C4C0-9878-8240-FC359C57F691}"/>
+                <a16:creationId xmlns:a16="http://schemas.microsoft.com/office/drawing/2014/main" id="{A710BC1F-B736-6A0F-713F-E6896E0872A7}"/>
               </a:ext>
             </a:extLst>
           </p:cNvPr>
@@ -1949,7 +1949,7 @@
           <a:bodyPr/>
           <a:lstStyle/>
           <a:p>
-            <a:fld id="{3C208A7B-D553-4F54-9105-73B508CE988C}" type="datetimeFigureOut">
+            <a:fld id="{710899D5-1D19-416B-911F-05C95A92A9C6}" type="datetimeFigureOut">
               <a:rPr lang="zh-CN" altLang="en-US" smtClean="0"/>
               <a:t>2024/3/10</a:t>
             </a:fld>
@@ -1962,7 +1962,7 @@
           <p:cNvPr id="4" name="页脚占位符 3">
             <a:extLst>
               <a:ext uri="{FF2B5EF4-FFF2-40B4-BE49-F238E27FC236}">
-                <a16:creationId xmlns:a16="http://schemas.microsoft.com/office/drawing/2014/main" id="{A5A30130-E590-69EA-8450-18E6D8ED3A37}"/>
+                <a16:creationId xmlns:a16="http://schemas.microsoft.com/office/drawing/2014/main" id="{3D74AA78-437C-958B-884D-D1CC871DE8D8}"/>
               </a:ext>
             </a:extLst>
           </p:cNvPr>
@@ -1987,7 +1987,7 @@
           <p:cNvPr id="5" name="灯片编号占位符 4">
             <a:extLst>
               <a:ext uri="{FF2B5EF4-FFF2-40B4-BE49-F238E27FC236}">
-                <a16:creationId xmlns:a16="http://schemas.microsoft.com/office/drawing/2014/main" id="{3191A7E6-6B4C-D3A9-9F3E-442F4F4B761F}"/>
+                <a16:creationId xmlns:a16="http://schemas.microsoft.com/office/drawing/2014/main" id="{0163DF09-C2B9-EFD7-84D2-C139EC3F89F6}"/>
               </a:ext>
             </a:extLst>
           </p:cNvPr>
@@ -2003,7 +2003,7 @@
           <a:bodyPr/>
           <a:lstStyle/>
           <a:p>
-            <a:fld id="{2AEE486F-4C0F-4FC6-84AC-3CBDFB7552D4}" type="slidenum">
+            <a:fld id="{9069D31D-F86D-4792-956B-1A7CFF0E1DFB}" type="slidenum">
               <a:rPr lang="zh-CN" altLang="en-US" smtClean="0"/>
               <a:t>‹#›</a:t>
             </a:fld>
@@ -2014,7 +2014,7 @@
     </p:spTree>
     <p:extLst>
       <p:ext uri="{BB962C8B-B14F-4D97-AF65-F5344CB8AC3E}">
-        <p14:creationId xmlns:p14="http://schemas.microsoft.com/office/powerpoint/2010/main" val="2649104117"/>
+        <p14:creationId xmlns:p14="http://schemas.microsoft.com/office/powerpoint/2010/main" val="3038102317"/>
       </p:ext>
     </p:extLst>
   </p:cSld>
@@ -2046,7 +2046,7 @@
           <p:cNvPr id="2" name="日期占位符 1">
             <a:extLst>
               <a:ext uri="{FF2B5EF4-FFF2-40B4-BE49-F238E27FC236}">
-                <a16:creationId xmlns:a16="http://schemas.microsoft.com/office/drawing/2014/main" id="{AD49B6CB-FA1D-E5AD-A408-86715092E690}"/>
+                <a16:creationId xmlns:a16="http://schemas.microsoft.com/office/drawing/2014/main" id="{37B35CCB-A282-C1DF-88F8-58B9FF0C6317}"/>
               </a:ext>
             </a:extLst>
           </p:cNvPr>
@@ -2062,7 +2062,7 @@
           <a:bodyPr/>
           <a:lstStyle/>
           <a:p>
-            <a:fld id="{3C208A7B-D553-4F54-9105-73B508CE988C}" type="datetimeFigureOut">
+            <a:fld id="{710899D5-1D19-416B-911F-05C95A92A9C6}" type="datetimeFigureOut">
               <a:rPr lang="zh-CN" altLang="en-US" smtClean="0"/>
               <a:t>2024/3/10</a:t>
             </a:fld>
@@ -2075,7 +2075,7 @@
           <p:cNvPr id="3" name="页脚占位符 2">
             <a:extLst>
               <a:ext uri="{FF2B5EF4-FFF2-40B4-BE49-F238E27FC236}">
-                <a16:creationId xmlns:a16="http://schemas.microsoft.com/office/drawing/2014/main" id="{6C215171-57DF-F29A-833A-3830F6073222}"/>
+                <a16:creationId xmlns:a16="http://schemas.microsoft.com/office/drawing/2014/main" id="{131290B6-5F40-550B-9C8C-1859F9E592DE}"/>
               </a:ext>
             </a:extLst>
           </p:cNvPr>
@@ -2100,7 +2100,7 @@
           <p:cNvPr id="4" name="灯片编号占位符 3">
             <a:extLst>
               <a:ext uri="{FF2B5EF4-FFF2-40B4-BE49-F238E27FC236}">
-                <a16:creationId xmlns:a16="http://schemas.microsoft.com/office/drawing/2014/main" id="{E646C889-6C6E-1426-3217-9E58BD81D2CD}"/>
+                <a16:creationId xmlns:a16="http://schemas.microsoft.com/office/drawing/2014/main" id="{C7F39662-6797-D725-DA7E-99FDD7FDB238}"/>
               </a:ext>
             </a:extLst>
           </p:cNvPr>
@@ -2116,7 +2116,7 @@
           <a:bodyPr/>
           <a:lstStyle/>
           <a:p>
-            <a:fld id="{2AEE486F-4C0F-4FC6-84AC-3CBDFB7552D4}" type="slidenum">
+            <a:fld id="{9069D31D-F86D-4792-956B-1A7CFF0E1DFB}" type="slidenum">
               <a:rPr lang="zh-CN" altLang="en-US" smtClean="0"/>
               <a:t>‹#›</a:t>
             </a:fld>
@@ -2127,7 +2127,7 @@
     </p:spTree>
     <p:extLst>
       <p:ext uri="{BB962C8B-B14F-4D97-AF65-F5344CB8AC3E}">
-        <p14:creationId xmlns:p14="http://schemas.microsoft.com/office/powerpoint/2010/main" val="639982783"/>
+        <p14:creationId xmlns:p14="http://schemas.microsoft.com/office/powerpoint/2010/main" val="1724034707"/>
       </p:ext>
     </p:extLst>
   </p:cSld>
@@ -2159,7 +2159,7 @@
           <p:cNvPr id="2" name="标题 1">
             <a:extLst>
               <a:ext uri="{FF2B5EF4-FFF2-40B4-BE49-F238E27FC236}">
-                <a16:creationId xmlns:a16="http://schemas.microsoft.com/office/drawing/2014/main" id="{47EA50D2-6CE3-8F38-3471-E5BECC807C0E}"/>
+                <a16:creationId xmlns:a16="http://schemas.microsoft.com/office/drawing/2014/main" id="{735A94B0-B380-4277-A1AC-5F53F9EFE8CF}"/>
               </a:ext>
             </a:extLst>
           </p:cNvPr>
@@ -2196,7 +2196,7 @@
           <p:cNvPr id="3" name="内容占位符 2">
             <a:extLst>
               <a:ext uri="{FF2B5EF4-FFF2-40B4-BE49-F238E27FC236}">
-                <a16:creationId xmlns:a16="http://schemas.microsoft.com/office/drawing/2014/main" id="{10ADF825-A99E-8C9F-56D3-F681A091DF2F}"/>
+                <a16:creationId xmlns:a16="http://schemas.microsoft.com/office/drawing/2014/main" id="{5F898F27-1166-7308-BBA7-8C4C5B912863}"/>
               </a:ext>
             </a:extLst>
           </p:cNvPr>
@@ -2286,7 +2286,7 @@
           <p:cNvPr id="4" name="文本占位符 3">
             <a:extLst>
               <a:ext uri="{FF2B5EF4-FFF2-40B4-BE49-F238E27FC236}">
-                <a16:creationId xmlns:a16="http://schemas.microsoft.com/office/drawing/2014/main" id="{108EB1D0-1EE2-E8FE-5DC0-C087C0EC6F7C}"/>
+                <a16:creationId xmlns:a16="http://schemas.microsoft.com/office/drawing/2014/main" id="{D249E53A-AD23-DCE0-7FF4-F9EC3714F028}"/>
               </a:ext>
             </a:extLst>
           </p:cNvPr>
@@ -2357,7 +2357,7 @@
           <p:cNvPr id="5" name="日期占位符 4">
             <a:extLst>
               <a:ext uri="{FF2B5EF4-FFF2-40B4-BE49-F238E27FC236}">
-                <a16:creationId xmlns:a16="http://schemas.microsoft.com/office/drawing/2014/main" id="{867EE9C3-8DBE-F7A5-FCF0-7FAE07D19C51}"/>
+                <a16:creationId xmlns:a16="http://schemas.microsoft.com/office/drawing/2014/main" id="{76371C27-F604-CA00-02D7-0B7BD0AC869A}"/>
               </a:ext>
             </a:extLst>
           </p:cNvPr>
@@ -2373,7 +2373,7 @@
           <a:bodyPr/>
           <a:lstStyle/>
           <a:p>
-            <a:fld id="{3C208A7B-D553-4F54-9105-73B508CE988C}" type="datetimeFigureOut">
+            <a:fld id="{710899D5-1D19-416B-911F-05C95A92A9C6}" type="datetimeFigureOut">
               <a:rPr lang="zh-CN" altLang="en-US" smtClean="0"/>
               <a:t>2024/3/10</a:t>
             </a:fld>
@@ -2386,7 +2386,7 @@
           <p:cNvPr id="6" name="页脚占位符 5">
             <a:extLst>
               <a:ext uri="{FF2B5EF4-FFF2-40B4-BE49-F238E27FC236}">
-                <a16:creationId xmlns:a16="http://schemas.microsoft.com/office/drawing/2014/main" id="{527A5E4D-CBD1-CBA8-1B5A-9A9B389BBA69}"/>
+                <a16:creationId xmlns:a16="http://schemas.microsoft.com/office/drawing/2014/main" id="{D44B3994-EEC1-D566-C85C-38A5A4EAA164}"/>
               </a:ext>
             </a:extLst>
           </p:cNvPr>
@@ -2411,7 +2411,7 @@
           <p:cNvPr id="7" name="灯片编号占位符 6">
             <a:extLst>
               <a:ext uri="{FF2B5EF4-FFF2-40B4-BE49-F238E27FC236}">
-                <a16:creationId xmlns:a16="http://schemas.microsoft.com/office/drawing/2014/main" id="{D585FDC0-970B-CAE9-D4B1-89C56194083A}"/>
+                <a16:creationId xmlns:a16="http://schemas.microsoft.com/office/drawing/2014/main" id="{0AB15E25-13EA-FC90-382A-34A074A28DC8}"/>
               </a:ext>
             </a:extLst>
           </p:cNvPr>
@@ -2427,7 +2427,7 @@
           <a:bodyPr/>
           <a:lstStyle/>
           <a:p>
-            <a:fld id="{2AEE486F-4C0F-4FC6-84AC-3CBDFB7552D4}" type="slidenum">
+            <a:fld id="{9069D31D-F86D-4792-956B-1A7CFF0E1DFB}" type="slidenum">
               <a:rPr lang="zh-CN" altLang="en-US" smtClean="0"/>
               <a:t>‹#›</a:t>
             </a:fld>
@@ -2438,7 +2438,7 @@
     </p:spTree>
     <p:extLst>
       <p:ext uri="{BB962C8B-B14F-4D97-AF65-F5344CB8AC3E}">
-        <p14:creationId xmlns:p14="http://schemas.microsoft.com/office/powerpoint/2010/main" val="1641627892"/>
+        <p14:creationId xmlns:p14="http://schemas.microsoft.com/office/powerpoint/2010/main" val="1488676467"/>
       </p:ext>
     </p:extLst>
   </p:cSld>
@@ -2470,7 +2470,7 @@
           <p:cNvPr id="2" name="标题 1">
             <a:extLst>
               <a:ext uri="{FF2B5EF4-FFF2-40B4-BE49-F238E27FC236}">
-                <a16:creationId xmlns:a16="http://schemas.microsoft.com/office/drawing/2014/main" id="{60BBEF3F-C378-6C3C-454A-0B31368F9BDD}"/>
+                <a16:creationId xmlns:a16="http://schemas.microsoft.com/office/drawing/2014/main" id="{2BC28C53-FD4F-2A98-516A-70C8D5F9770F}"/>
               </a:ext>
             </a:extLst>
           </p:cNvPr>
@@ -2507,7 +2507,7 @@
           <p:cNvPr id="3" name="图片占位符 2">
             <a:extLst>
               <a:ext uri="{FF2B5EF4-FFF2-40B4-BE49-F238E27FC236}">
-                <a16:creationId xmlns:a16="http://schemas.microsoft.com/office/drawing/2014/main" id="{A637B063-9D21-27D1-5D9D-5CDE8AC9665F}"/>
+                <a16:creationId xmlns:a16="http://schemas.microsoft.com/office/drawing/2014/main" id="{08BEF577-1704-0A6C-C03B-E7BD7143A357}"/>
               </a:ext>
             </a:extLst>
           </p:cNvPr>
@@ -2574,7 +2574,7 @@
           <p:cNvPr id="4" name="文本占位符 3">
             <a:extLst>
               <a:ext uri="{FF2B5EF4-FFF2-40B4-BE49-F238E27FC236}">
-                <a16:creationId xmlns:a16="http://schemas.microsoft.com/office/drawing/2014/main" id="{00666C47-8F14-867A-BFE5-524FD853F323}"/>
+                <a16:creationId xmlns:a16="http://schemas.microsoft.com/office/drawing/2014/main" id="{F09A50BF-B20A-9769-78E8-4083E7E16C19}"/>
               </a:ext>
             </a:extLst>
           </p:cNvPr>
@@ -2645,7 +2645,7 @@
           <p:cNvPr id="5" name="日期占位符 4">
             <a:extLst>
               <a:ext uri="{FF2B5EF4-FFF2-40B4-BE49-F238E27FC236}">
-                <a16:creationId xmlns:a16="http://schemas.microsoft.com/office/drawing/2014/main" id="{48EE717F-9460-EA81-377B-E4B0B90CBFBD}"/>
+                <a16:creationId xmlns:a16="http://schemas.microsoft.com/office/drawing/2014/main" id="{48522B1D-3AD0-4D91-ACC0-7FB26EE2A89F}"/>
               </a:ext>
             </a:extLst>
           </p:cNvPr>
@@ -2661,7 +2661,7 @@
           <a:bodyPr/>
           <a:lstStyle/>
           <a:p>
-            <a:fld id="{3C208A7B-D553-4F54-9105-73B508CE988C}" type="datetimeFigureOut">
+            <a:fld id="{710899D5-1D19-416B-911F-05C95A92A9C6}" type="datetimeFigureOut">
               <a:rPr lang="zh-CN" altLang="en-US" smtClean="0"/>
               <a:t>2024/3/10</a:t>
             </a:fld>
@@ -2674,7 +2674,7 @@
           <p:cNvPr id="6" name="页脚占位符 5">
             <a:extLst>
               <a:ext uri="{FF2B5EF4-FFF2-40B4-BE49-F238E27FC236}">
-                <a16:creationId xmlns:a16="http://schemas.microsoft.com/office/drawing/2014/main" id="{81C7146D-F1E5-C59D-F43C-1AD537C48DF1}"/>
+                <a16:creationId xmlns:a16="http://schemas.microsoft.com/office/drawing/2014/main" id="{BEAFDCB7-D046-4619-F643-86CFDAD27B2F}"/>
               </a:ext>
             </a:extLst>
           </p:cNvPr>
@@ -2699,7 +2699,7 @@
           <p:cNvPr id="7" name="灯片编号占位符 6">
             <a:extLst>
               <a:ext uri="{FF2B5EF4-FFF2-40B4-BE49-F238E27FC236}">
-                <a16:creationId xmlns:a16="http://schemas.microsoft.com/office/drawing/2014/main" id="{B9237876-3D31-B8FB-91EB-8E4E6EC12FD8}"/>
+                <a16:creationId xmlns:a16="http://schemas.microsoft.com/office/drawing/2014/main" id="{A241492E-BCF4-D732-2F56-072ED8022D91}"/>
               </a:ext>
             </a:extLst>
           </p:cNvPr>
@@ -2715,7 +2715,7 @@
           <a:bodyPr/>
           <a:lstStyle/>
           <a:p>
-            <a:fld id="{2AEE486F-4C0F-4FC6-84AC-3CBDFB7552D4}" type="slidenum">
+            <a:fld id="{9069D31D-F86D-4792-956B-1A7CFF0E1DFB}" type="slidenum">
               <a:rPr lang="zh-CN" altLang="en-US" smtClean="0"/>
               <a:t>‹#›</a:t>
             </a:fld>
@@ -2726,7 +2726,7 @@
     </p:spTree>
     <p:extLst>
       <p:ext uri="{BB962C8B-B14F-4D97-AF65-F5344CB8AC3E}">
-        <p14:creationId xmlns:p14="http://schemas.microsoft.com/office/powerpoint/2010/main" val="973632367"/>
+        <p14:creationId xmlns:p14="http://schemas.microsoft.com/office/powerpoint/2010/main" val="2537285607"/>
       </p:ext>
     </p:extLst>
   </p:cSld>
@@ -2763,7 +2763,7 @@
           <p:cNvPr id="2" name="标题占位符 1">
             <a:extLst>
               <a:ext uri="{FF2B5EF4-FFF2-40B4-BE49-F238E27FC236}">
-                <a16:creationId xmlns:a16="http://schemas.microsoft.com/office/drawing/2014/main" id="{DBD260E0-D31D-0241-2866-C4602E9EB381}"/>
+                <a16:creationId xmlns:a16="http://schemas.microsoft.com/office/drawing/2014/main" id="{FF8CCCE4-BB68-AA6F-1EEC-5FCEF5C3893F}"/>
               </a:ext>
             </a:extLst>
           </p:cNvPr>
@@ -2801,7 +2801,7 @@
           <p:cNvPr id="3" name="文本占位符 2">
             <a:extLst>
               <a:ext uri="{FF2B5EF4-FFF2-40B4-BE49-F238E27FC236}">
-                <a16:creationId xmlns:a16="http://schemas.microsoft.com/office/drawing/2014/main" id="{A53E49A0-07A9-46E8-C2D4-01B036B9884C}"/>
+                <a16:creationId xmlns:a16="http://schemas.microsoft.com/office/drawing/2014/main" id="{3289A106-4E57-6D5C-D24D-489A8DA575CD}"/>
               </a:ext>
             </a:extLst>
           </p:cNvPr>
@@ -2868,7 +2868,7 @@
           <p:cNvPr id="4" name="日期占位符 3">
             <a:extLst>
               <a:ext uri="{FF2B5EF4-FFF2-40B4-BE49-F238E27FC236}">
-                <a16:creationId xmlns:a16="http://schemas.microsoft.com/office/drawing/2014/main" id="{4060A569-B53B-3DCB-3B1C-217D59FC49D7}"/>
+                <a16:creationId xmlns:a16="http://schemas.microsoft.com/office/drawing/2014/main" id="{48943BB3-ED77-8D28-FD78-F8883FBC97CD}"/>
               </a:ext>
             </a:extLst>
           </p:cNvPr>
@@ -2902,7 +2902,7 @@
             </a:lvl1pPr>
           </a:lstStyle>
           <a:p>
-            <a:fld id="{3C208A7B-D553-4F54-9105-73B508CE988C}" type="datetimeFigureOut">
+            <a:fld id="{710899D5-1D19-416B-911F-05C95A92A9C6}" type="datetimeFigureOut">
               <a:rPr lang="zh-CN" altLang="en-US" smtClean="0"/>
               <a:t>2024/3/10</a:t>
             </a:fld>
@@ -2915,7 +2915,7 @@
           <p:cNvPr id="5" name="页脚占位符 4">
             <a:extLst>
               <a:ext uri="{FF2B5EF4-FFF2-40B4-BE49-F238E27FC236}">
-                <a16:creationId xmlns:a16="http://schemas.microsoft.com/office/drawing/2014/main" id="{43695F4B-256B-1572-822B-E8FD202E86A1}"/>
+                <a16:creationId xmlns:a16="http://schemas.microsoft.com/office/drawing/2014/main" id="{F398FA9F-1252-DF89-26BE-72D0F201019D}"/>
               </a:ext>
             </a:extLst>
           </p:cNvPr>
@@ -2958,7 +2958,7 @@
           <p:cNvPr id="6" name="灯片编号占位符 5">
             <a:extLst>
               <a:ext uri="{FF2B5EF4-FFF2-40B4-BE49-F238E27FC236}">
-                <a16:creationId xmlns:a16="http://schemas.microsoft.com/office/drawing/2014/main" id="{20F74E55-DE10-703A-2A53-D085069B0F1E}"/>
+                <a16:creationId xmlns:a16="http://schemas.microsoft.com/office/drawing/2014/main" id="{042E3495-84EB-E67F-AE2A-A217368F7177}"/>
               </a:ext>
             </a:extLst>
           </p:cNvPr>
@@ -2992,7 +2992,7 @@
             </a:lvl1pPr>
           </a:lstStyle>
           <a:p>
-            <a:fld id="{2AEE486F-4C0F-4FC6-84AC-3CBDFB7552D4}" type="slidenum">
+            <a:fld id="{9069D31D-F86D-4792-956B-1A7CFF0E1DFB}" type="slidenum">
               <a:rPr lang="zh-CN" altLang="en-US" smtClean="0"/>
               <a:t>‹#›</a:t>
             </a:fld>
@@ -3003,7 +3003,7 @@
     </p:spTree>
     <p:extLst>
       <p:ext uri="{BB962C8B-B14F-4D97-AF65-F5344CB8AC3E}">
-        <p14:creationId xmlns:p14="http://schemas.microsoft.com/office/powerpoint/2010/main" val="622807490"/>
+        <p14:creationId xmlns:p14="http://schemas.microsoft.com/office/powerpoint/2010/main" val="2596758209"/>
       </p:ext>
     </p:extLst>
   </p:cSld>
